--- a/docs/Fix-Politics-Aug03.pptx
+++ b/docs/Fix-Politics-Aug03.pptx
@@ -5,17 +5,17 @@
     <p:sldMasterId id="2147483648" r:id="rId1"/>
   </p:sldMasterIdLst>
   <p:notesMasterIdLst>
-    <p:notesMasterId r:id="rId10"/>
+    <p:notesMasterId r:id="rId11"/>
   </p:notesMasterIdLst>
   <p:sldIdLst>
-    <p:sldId id="256" r:id="rId2"/>
-    <p:sldId id="257" r:id="rId3"/>
-    <p:sldId id="263" r:id="rId4"/>
-    <p:sldId id="258" r:id="rId5"/>
-    <p:sldId id="259" r:id="rId6"/>
-    <p:sldId id="260" r:id="rId7"/>
-    <p:sldId id="261" r:id="rId8"/>
-    <p:sldId id="262" r:id="rId9"/>
+    <p:sldId id="256" r:id="rId3"/>
+    <p:sldId id="257" r:id="rId4"/>
+    <p:sldId id="263" r:id="rId5"/>
+    <p:sldId id="258" r:id="rId6"/>
+    <p:sldId id="259" r:id="rId7"/>
+    <p:sldId id="260" r:id="rId8"/>
+    <p:sldId id="261" r:id="rId9"/>
+    <p:sldId id="262" r:id="rId10"/>
   </p:sldIdLst>
   <p:sldSz cx="12192000" cy="6858000"/>
   <p:notesSz cx="6858000" cy="9144000"/>
@@ -114,11 +114,6 @@
       </a:defRPr>
     </a:lvl9pPr>
   </p:defaultTextStyle>
-  <p:extLst>
-    <p:ext uri="{EFAFB233-063F-42B5-8137-9DF3F51BA10A}">
-      <p15:sldGuideLst xmlns:p15="http://schemas.microsoft.com/office/powerpoint/2012/main"/>
-    </p:ext>
-  </p:extLst>
 </p:presentation>
 </file>
 
@@ -204,7 +199,6 @@
           <a:p>
             <a:fld id="{9F31221A-542D-9443-8954-D02697DC0401}" type="datetimeFigureOut">
               <a:rPr lang="en-US" smtClean="0"/>
-              <a:t>8/3/2020</a:t>
             </a:fld>
             <a:endParaRPr lang="en-US"/>
           </a:p>
@@ -271,6 +265,7 @@
               <a:rPr lang="en-US"/>
               <a:t>Click to edit Master text styles</a:t>
             </a:r>
+            <a:endParaRPr lang="en-US"/>
           </a:p>
           <a:p>
             <a:pPr lvl="1"/>
@@ -278,6 +273,7 @@
               <a:rPr lang="en-US"/>
               <a:t>Second level</a:t>
             </a:r>
+            <a:endParaRPr lang="en-US"/>
           </a:p>
           <a:p>
             <a:pPr lvl="2"/>
@@ -285,6 +281,7 @@
               <a:rPr lang="en-US"/>
               <a:t>Third level</a:t>
             </a:r>
+            <a:endParaRPr lang="en-US"/>
           </a:p>
           <a:p>
             <a:pPr lvl="3"/>
@@ -292,6 +289,7 @@
               <a:rPr lang="en-US"/>
               <a:t>Fourth level</a:t>
             </a:r>
+            <a:endParaRPr lang="en-US"/>
           </a:p>
           <a:p>
             <a:pPr lvl="4"/>
@@ -299,6 +297,7 @@
               <a:rPr lang="en-US"/>
               <a:t>Fifth level</a:t>
             </a:r>
+            <a:endParaRPr lang="en-US"/>
           </a:p>
         </p:txBody>
       </p:sp>
@@ -362,7 +361,6 @@
           <a:p>
             <a:fld id="{7C6A98DC-948B-B34E-B200-3F891AE16175}" type="slidenum">
               <a:rPr lang="en-US" smtClean="0"/>
-              <a:t>‹#›</a:t>
             </a:fld>
             <a:endParaRPr lang="en-US"/>
           </a:p>
@@ -521,6 +519,7 @@
               <a:rPr lang="en-US"/>
               <a:t>Click to edit Master title style</a:t>
             </a:r>
+            <a:endParaRPr lang="en-US"/>
           </a:p>
         </p:txBody>
       </p:sp>
@@ -585,6 +584,7 @@
               <a:rPr lang="en-US"/>
               <a:t>Click to edit Master subtitle style</a:t>
             </a:r>
+            <a:endParaRPr lang="en-US"/>
           </a:p>
         </p:txBody>
       </p:sp>
@@ -621,7 +621,6 @@
           <a:p>
             <a:fld id="{9161CE87-EC62-414E-B1E6-581F5896EDC6}" type="datetime4">
               <a:rPr lang="en-US" smtClean="0"/>
-              <a:t>August 3, 2020</a:t>
             </a:fld>
             <a:endParaRPr lang="en-US" dirty="0"/>
           </a:p>
@@ -644,7 +643,6 @@
           <a:p>
             <a:fld id="{567255F2-7D95-6D4F-8D41-D42AD07F8CE5}" type="slidenum">
               <a:rPr lang="en-US" smtClean="0"/>
-              <a:t>‹#›</a:t>
             </a:fld>
             <a:endParaRPr lang="en-US"/>
           </a:p>
@@ -752,6 +750,7 @@
               <a:rPr lang="en-US" dirty="0"/>
               <a:t>Click to edit Master title style</a:t>
             </a:r>
+            <a:endParaRPr lang="en-US" dirty="0"/>
           </a:p>
         </p:txBody>
       </p:sp>
@@ -790,6 +789,7 @@
               <a:rPr lang="en-US" dirty="0"/>
               <a:t>SMARTER | Essential | Trusted</a:t>
             </a:r>
+            <a:endParaRPr lang="en-US" dirty="0"/>
           </a:p>
         </p:txBody>
       </p:sp>
@@ -818,7 +818,6 @@
           <a:p>
             <a:fld id="{567255F2-7D95-6D4F-8D41-D42AD07F8CE5}" type="slidenum">
               <a:rPr lang="en-US" smtClean="0"/>
-              <a:t>‹#›</a:t>
             </a:fld>
             <a:endParaRPr lang="en-US" dirty="0"/>
           </a:p>
@@ -894,13 +893,7 @@
       </p:sp>
       <p:pic>
         <p:nvPicPr>
-          <p:cNvPr id="6" name="Picture 5" descr="A picture containing screenshot&#10;&#10;Description automatically generated">
-            <a:extLst>
-              <a:ext uri="{FF2B5EF4-FFF2-40B4-BE49-F238E27FC236}">
-                <a16:creationId xmlns:a16="http://schemas.microsoft.com/office/drawing/2014/main" id="{92B91100-D60E-4B37-8B5F-265231B6F585}"/>
-              </a:ext>
-            </a:extLst>
-          </p:cNvPr>
+          <p:cNvPr id="6" name="Picture 5" descr="A picture containing screenshot&#10;&#10;Description automatically generated"/>
           <p:cNvPicPr>
             <a:picLocks noChangeAspect="1"/>
           </p:cNvPicPr>
@@ -967,6 +960,7 @@
               <a:rPr lang="en-US" dirty="0"/>
               <a:t>Click to edit Master title style</a:t>
             </a:r>
+            <a:endParaRPr lang="en-US" dirty="0"/>
           </a:p>
         </p:txBody>
       </p:sp>
@@ -1005,6 +999,7 @@
               <a:rPr lang="en-US" dirty="0"/>
               <a:t>SMARTER | Essential | Trusted</a:t>
             </a:r>
+            <a:endParaRPr lang="en-US" dirty="0"/>
           </a:p>
         </p:txBody>
       </p:sp>
@@ -1033,18 +1028,12 @@
           <a:p>
             <a:fld id="{567255F2-7D95-6D4F-8D41-D42AD07F8CE5}" type="slidenum">
               <a:rPr lang="en-US" smtClean="0"/>
-              <a:t>‹#›</a:t>
             </a:fld>
             <a:endParaRPr lang="en-US" dirty="0"/>
           </a:p>
         </p:txBody>
       </p:sp>
     </p:spTree>
-    <p:extLst>
-      <p:ext uri="{BB962C8B-B14F-4D97-AF65-F5344CB8AC3E}">
-        <p14:creationId xmlns:p14="http://schemas.microsoft.com/office/powerpoint/2010/main" val="1712583876"/>
-      </p:ext>
-    </p:extLst>
   </p:cSld>
   <p:clrMapOvr>
     <a:masterClrMapping/>
@@ -1108,6 +1097,7 @@
               <a:rPr lang="en-US"/>
               <a:t>Click to edit Master title style</a:t>
             </a:r>
+            <a:endParaRPr lang="en-US"/>
           </a:p>
         </p:txBody>
       </p:sp>
@@ -1141,6 +1131,7 @@
               <a:rPr lang="en-US"/>
               <a:t>Click to edit Master text styles</a:t>
             </a:r>
+            <a:endParaRPr lang="en-US"/>
           </a:p>
           <a:p>
             <a:pPr lvl="1"/>
@@ -1148,6 +1139,7 @@
               <a:rPr lang="en-US"/>
               <a:t>Second level</a:t>
             </a:r>
+            <a:endParaRPr lang="en-US"/>
           </a:p>
           <a:p>
             <a:pPr lvl="2"/>
@@ -1155,6 +1147,7 @@
               <a:rPr lang="en-US"/>
               <a:t>Third level</a:t>
             </a:r>
+            <a:endParaRPr lang="en-US"/>
           </a:p>
           <a:p>
             <a:pPr lvl="3"/>
@@ -1162,6 +1155,7 @@
               <a:rPr lang="en-US"/>
               <a:t>Fourth level</a:t>
             </a:r>
+            <a:endParaRPr lang="en-US"/>
           </a:p>
           <a:p>
             <a:pPr lvl="4"/>
@@ -1169,6 +1163,7 @@
               <a:rPr lang="en-US"/>
               <a:t>Fifth level</a:t>
             </a:r>
+            <a:endParaRPr lang="en-US"/>
           </a:p>
         </p:txBody>
       </p:sp>
@@ -1207,7 +1202,6 @@
           <a:p>
             <a:fld id="{567255F2-7D95-6D4F-8D41-D42AD07F8CE5}" type="slidenum">
               <a:rPr lang="en-US" smtClean="0"/>
-              <a:t>‹#›</a:t>
             </a:fld>
             <a:endParaRPr lang="en-US"/>
           </a:p>
@@ -1282,6 +1276,14 @@
               </a:rPr>
               <a:t>IBM Corporation © 2020</a:t>
             </a:r>
+            <a:endParaRPr lang="en-US" sz="1200" dirty="0">
+              <a:solidFill>
+                <a:schemeClr val="accent1">
+                  <a:lumMod val="20000"/>
+                  <a:lumOff val="80000"/>
+                </a:schemeClr>
+              </a:solidFill>
+            </a:endParaRPr>
           </a:p>
         </p:txBody>
       </p:sp>
@@ -1290,8 +1292,8 @@
   <p:clrMap bg1="lt1" tx1="dk1" bg2="lt2" tx2="dk2" accent1="accent1" accent2="accent2" accent3="accent3" accent4="accent4" accent5="accent5" accent6="accent6" hlink="hlink" folHlink="folHlink"/>
   <p:sldLayoutIdLst>
     <p:sldLayoutId id="2147483649" r:id="rId1"/>
-    <p:sldLayoutId id="2147483655" r:id="rId2"/>
-    <p:sldLayoutId id="2147483656" r:id="rId3"/>
+    <p:sldLayoutId id="2147483650" r:id="rId2"/>
+    <p:sldLayoutId id="2147483651" r:id="rId3"/>
   </p:sldLayoutIdLst>
   <p:hf hdr="0"/>
   <p:txStyles>
@@ -1626,6 +1628,7 @@
               <a:rPr lang="en-US" dirty="0"/>
               <a:t>(race) Call for Code</a:t>
             </a:r>
+            <a:endParaRPr lang="en-US" dirty="0"/>
           </a:p>
         </p:txBody>
       </p:sp>
@@ -1650,12 +1653,14 @@
               <a:rPr lang="en-US" dirty="0"/>
               <a:t>August 03, 2020</a:t>
             </a:r>
+            <a:endParaRPr lang="en-US" dirty="0"/>
           </a:p>
           <a:p>
             <a:r>
               <a:rPr lang="en-US" dirty="0"/>
               <a:t>Tony Pearson</a:t>
             </a:r>
+            <a:endParaRPr lang="en-US" dirty="0"/>
           </a:p>
         </p:txBody>
       </p:sp>
@@ -1686,13 +1691,7 @@
       </p:grpSpPr>
       <p:sp>
         <p:nvSpPr>
-          <p:cNvPr id="2" name="Title 1">
-            <a:extLst>
-              <a:ext uri="{FF2B5EF4-FFF2-40B4-BE49-F238E27FC236}">
-                <a16:creationId xmlns:a16="http://schemas.microsoft.com/office/drawing/2014/main" id="{64174A3C-3F48-4619-BCF6-218F9DCAD3BC}"/>
-              </a:ext>
-            </a:extLst>
-          </p:cNvPr>
+          <p:cNvPr id="2" name="Title 1"/>
           <p:cNvSpPr>
             <a:spLocks noGrp="1"/>
           </p:cNvSpPr>
@@ -1711,18 +1710,13 @@
               <a:rPr lang="en-US" dirty="0"/>
               <a:t>Architecture Diagram – Web Application Framework</a:t>
             </a:r>
-          </a:p>
-        </p:txBody>
-      </p:sp>
-      <p:sp>
-        <p:nvSpPr>
-          <p:cNvPr id="4" name="Slide Number Placeholder 3">
-            <a:extLst>
-              <a:ext uri="{FF2B5EF4-FFF2-40B4-BE49-F238E27FC236}">
-                <a16:creationId xmlns:a16="http://schemas.microsoft.com/office/drawing/2014/main" id="{45F9BD57-6CED-42AB-9EE5-9DD05847E421}"/>
-              </a:ext>
-            </a:extLst>
-          </p:cNvPr>
+            <a:endParaRPr lang="en-US" dirty="0"/>
+          </a:p>
+        </p:txBody>
+      </p:sp>
+      <p:sp>
+        <p:nvSpPr>
+          <p:cNvPr id="4" name="Slide Number Placeholder 3"/>
           <p:cNvSpPr>
             <a:spLocks noGrp="1"/>
           </p:cNvSpPr>
@@ -1737,7 +1731,6 @@
           <a:p>
             <a:fld id="{567255F2-7D95-6D4F-8D41-D42AD07F8CE5}" type="slidenum">
               <a:rPr lang="en-US" smtClean="0"/>
-              <a:t>2</a:t>
             </a:fld>
             <a:endParaRPr lang="en-US" dirty="0"/>
           </a:p>
@@ -1745,13 +1738,7 @@
       </p:sp>
       <p:grpSp>
         <p:nvGrpSpPr>
-          <p:cNvPr id="9" name="Group 8">
-            <a:extLst>
-              <a:ext uri="{FF2B5EF4-FFF2-40B4-BE49-F238E27FC236}">
-                <a16:creationId xmlns:a16="http://schemas.microsoft.com/office/drawing/2014/main" id="{17E39A80-A935-40E0-BC81-909E2714D70D}"/>
-              </a:ext>
-            </a:extLst>
-          </p:cNvPr>
+          <p:cNvPr id="9" name="Group 8"/>
           <p:cNvGrpSpPr/>
           <p:nvPr/>
         </p:nvGrpSpPr>
@@ -1765,13 +1752,7 @@
         </p:grpSpPr>
         <p:sp>
           <p:nvSpPr>
-            <p:cNvPr id="8" name="Oval 7">
-              <a:extLst>
-                <a:ext uri="{FF2B5EF4-FFF2-40B4-BE49-F238E27FC236}">
-                  <a16:creationId xmlns:a16="http://schemas.microsoft.com/office/drawing/2014/main" id="{C7F4838E-CA63-4094-8C0E-7D310A5C211E}"/>
-                </a:ext>
-              </a:extLst>
-            </p:cNvPr>
+            <p:cNvPr id="8" name="Oval 7"/>
             <p:cNvSpPr/>
             <p:nvPr/>
           </p:nvSpPr>
@@ -1814,13 +1795,7 @@
         </p:sp>
         <p:sp>
           <p:nvSpPr>
-            <p:cNvPr id="7" name="TextBox 6">
-              <a:extLst>
-                <a:ext uri="{FF2B5EF4-FFF2-40B4-BE49-F238E27FC236}">
-                  <a16:creationId xmlns:a16="http://schemas.microsoft.com/office/drawing/2014/main" id="{69C657BE-86C7-455F-8FFC-CD8AA96B870E}"/>
-                </a:ext>
-              </a:extLst>
-            </p:cNvPr>
+            <p:cNvPr id="7" name="TextBox 6"/>
             <p:cNvSpPr txBox="1"/>
             <p:nvPr/>
           </p:nvSpPr>
@@ -1844,19 +1819,14 @@
                 <a:rPr lang="en-US" sz="2800" dirty="0"/>
                 <a:t>A</a:t>
               </a:r>
+              <a:endParaRPr lang="en-US" sz="2800" dirty="0"/>
             </a:p>
           </p:txBody>
         </p:sp>
       </p:grpSp>
       <p:sp>
         <p:nvSpPr>
-          <p:cNvPr id="10" name="TextBox 9">
-            <a:extLst>
-              <a:ext uri="{FF2B5EF4-FFF2-40B4-BE49-F238E27FC236}">
-                <a16:creationId xmlns:a16="http://schemas.microsoft.com/office/drawing/2014/main" id="{EA293AA2-253A-49EC-957C-AEB57233A1BD}"/>
-              </a:ext>
-            </a:extLst>
-          </p:cNvPr>
+          <p:cNvPr id="10" name="TextBox 9"/>
           <p:cNvSpPr txBox="1"/>
           <p:nvPr/>
         </p:nvSpPr>
@@ -1880,6 +1850,7 @@
               <a:rPr lang="en-US" dirty="0"/>
               <a:t>Phase A: Web Application</a:t>
             </a:r>
+            <a:endParaRPr lang="en-US" dirty="0"/>
           </a:p>
           <a:p>
             <a:r>
@@ -1902,6 +1873,7 @@
               <a:rPr lang="en-US" dirty="0"/>
               <a:t> Framework</a:t>
             </a:r>
+            <a:endParaRPr lang="en-US" dirty="0"/>
           </a:p>
           <a:p>
             <a:endParaRPr lang="en-US" dirty="0"/>
@@ -1921,7 +1893,7 @@
             </a:r>
             <a:r>
               <a:rPr lang="en-US" dirty="0">
-                <a:hlinkClick r:id="rId2"/>
+                <a:hlinkClick r:id="rId1"/>
               </a:rPr>
               <a:t>https://github.com/embrace-call-for-code/fix-politics</a:t>
             </a:r>
@@ -1932,6 +1904,7 @@
               <a:rPr lang="en-US" dirty="0"/>
               <a:t>Django project directory created: cfc-project</a:t>
             </a:r>
+            <a:endParaRPr lang="en-US" dirty="0"/>
           </a:p>
           <a:p>
             <a:r>
@@ -1967,6 +1940,7 @@
               <a:rPr lang="en-US" dirty="0"/>
               <a:t>Need to teach the rest of the team (a) how to clone git to their own machines, </a:t>
             </a:r>
+            <a:endParaRPr lang="en-US" dirty="0"/>
           </a:p>
           <a:p>
             <a:r>
@@ -1981,6 +1955,7 @@
               <a:rPr lang="en-US" dirty="0"/>
               <a:t> on their local machines for local testing/development.</a:t>
             </a:r>
+            <a:endParaRPr lang="en-US" dirty="0"/>
           </a:p>
           <a:p>
             <a:endParaRPr lang="en-US" dirty="0"/>
@@ -1990,25 +1965,20 @@
               <a:rPr lang="en-US" dirty="0"/>
               <a:t>Resource:  https://learning.oreilly.com/library/view/python-crash-course/9781492071266/ </a:t>
             </a:r>
+            <a:endParaRPr lang="en-US" dirty="0"/>
           </a:p>
         </p:txBody>
       </p:sp>
       <p:pic>
         <p:nvPicPr>
-          <p:cNvPr id="11" name="Picture 10">
-            <a:extLst>
-              <a:ext uri="{FF2B5EF4-FFF2-40B4-BE49-F238E27FC236}">
-                <a16:creationId xmlns:a16="http://schemas.microsoft.com/office/drawing/2014/main" id="{D57B431E-D13B-48C3-AF27-188ACBE29D08}"/>
-              </a:ext>
-            </a:extLst>
-          </p:cNvPr>
+          <p:cNvPr id="11" name="Picture 10"/>
           <p:cNvPicPr>
             <a:picLocks noChangeAspect="1"/>
           </p:cNvPicPr>
           <p:nvPr/>
         </p:nvPicPr>
         <p:blipFill>
-          <a:blip r:embed="rId3"/>
+          <a:blip r:embed="rId2"/>
           <a:stretch>
             <a:fillRect/>
           </a:stretch>
@@ -2024,11 +1994,6 @@
         </p:spPr>
       </p:pic>
     </p:spTree>
-    <p:extLst>
-      <p:ext uri="{BB962C8B-B14F-4D97-AF65-F5344CB8AC3E}">
-        <p14:creationId xmlns:p14="http://schemas.microsoft.com/office/powerpoint/2010/main" val="3829845791"/>
-      </p:ext>
-    </p:extLst>
   </p:cSld>
   <p:clrMapOvr>
     <a:masterClrMapping/>
@@ -2055,13 +2020,7 @@
       </p:grpSpPr>
       <p:sp>
         <p:nvSpPr>
-          <p:cNvPr id="2" name="Title 1">
-            <a:extLst>
-              <a:ext uri="{FF2B5EF4-FFF2-40B4-BE49-F238E27FC236}">
-                <a16:creationId xmlns:a16="http://schemas.microsoft.com/office/drawing/2014/main" id="{64174A3C-3F48-4619-BCF6-218F9DCAD3BC}"/>
-              </a:ext>
-            </a:extLst>
-          </p:cNvPr>
+          <p:cNvPr id="2" name="Title 1"/>
           <p:cNvSpPr>
             <a:spLocks noGrp="1"/>
           </p:cNvSpPr>
@@ -2080,18 +2039,13 @@
               <a:rPr lang="en-US" dirty="0"/>
               <a:t>Architecture Diagram – Web Application Framework</a:t>
             </a:r>
-          </a:p>
-        </p:txBody>
-      </p:sp>
-      <p:sp>
-        <p:nvSpPr>
-          <p:cNvPr id="4" name="Slide Number Placeholder 3">
-            <a:extLst>
-              <a:ext uri="{FF2B5EF4-FFF2-40B4-BE49-F238E27FC236}">
-                <a16:creationId xmlns:a16="http://schemas.microsoft.com/office/drawing/2014/main" id="{45F9BD57-6CED-42AB-9EE5-9DD05847E421}"/>
-              </a:ext>
-            </a:extLst>
-          </p:cNvPr>
+            <a:endParaRPr lang="en-US" dirty="0"/>
+          </a:p>
+        </p:txBody>
+      </p:sp>
+      <p:sp>
+        <p:nvSpPr>
+          <p:cNvPr id="4" name="Slide Number Placeholder 3"/>
           <p:cNvSpPr>
             <a:spLocks noGrp="1"/>
           </p:cNvSpPr>
@@ -2106,7 +2060,6 @@
           <a:p>
             <a:fld id="{567255F2-7D95-6D4F-8D41-D42AD07F8CE5}" type="slidenum">
               <a:rPr lang="en-US" smtClean="0"/>
-              <a:t>3</a:t>
             </a:fld>
             <a:endParaRPr lang="en-US" dirty="0"/>
           </a:p>
@@ -2114,13 +2067,7 @@
       </p:sp>
       <p:grpSp>
         <p:nvGrpSpPr>
-          <p:cNvPr id="9" name="Group 8">
-            <a:extLst>
-              <a:ext uri="{FF2B5EF4-FFF2-40B4-BE49-F238E27FC236}">
-                <a16:creationId xmlns:a16="http://schemas.microsoft.com/office/drawing/2014/main" id="{17E39A80-A935-40E0-BC81-909E2714D70D}"/>
-              </a:ext>
-            </a:extLst>
-          </p:cNvPr>
+          <p:cNvPr id="9" name="Group 8"/>
           <p:cNvGrpSpPr/>
           <p:nvPr/>
         </p:nvGrpSpPr>
@@ -2134,13 +2081,7 @@
         </p:grpSpPr>
         <p:sp>
           <p:nvSpPr>
-            <p:cNvPr id="8" name="Oval 7">
-              <a:extLst>
-                <a:ext uri="{FF2B5EF4-FFF2-40B4-BE49-F238E27FC236}">
-                  <a16:creationId xmlns:a16="http://schemas.microsoft.com/office/drawing/2014/main" id="{C7F4838E-CA63-4094-8C0E-7D310A5C211E}"/>
-                </a:ext>
-              </a:extLst>
-            </p:cNvPr>
+            <p:cNvPr id="8" name="Oval 7"/>
             <p:cNvSpPr/>
             <p:nvPr/>
           </p:nvSpPr>
@@ -2183,13 +2124,7 @@
         </p:sp>
         <p:sp>
           <p:nvSpPr>
-            <p:cNvPr id="7" name="TextBox 6">
-              <a:extLst>
-                <a:ext uri="{FF2B5EF4-FFF2-40B4-BE49-F238E27FC236}">
-                  <a16:creationId xmlns:a16="http://schemas.microsoft.com/office/drawing/2014/main" id="{69C657BE-86C7-455F-8FFC-CD8AA96B870E}"/>
-                </a:ext>
-              </a:extLst>
-            </p:cNvPr>
+            <p:cNvPr id="7" name="TextBox 6"/>
             <p:cNvSpPr txBox="1"/>
             <p:nvPr/>
           </p:nvSpPr>
@@ -2213,19 +2148,14 @@
                 <a:rPr lang="en-US" sz="2800" dirty="0"/>
                 <a:t>A</a:t>
               </a:r>
+              <a:endParaRPr lang="en-US" sz="2800" dirty="0"/>
             </a:p>
           </p:txBody>
         </p:sp>
       </p:grpSp>
       <p:sp>
         <p:nvSpPr>
-          <p:cNvPr id="10" name="TextBox 9">
-            <a:extLst>
-              <a:ext uri="{FF2B5EF4-FFF2-40B4-BE49-F238E27FC236}">
-                <a16:creationId xmlns:a16="http://schemas.microsoft.com/office/drawing/2014/main" id="{EA293AA2-253A-49EC-957C-AEB57233A1BD}"/>
-              </a:ext>
-            </a:extLst>
-          </p:cNvPr>
+          <p:cNvPr id="10" name="TextBox 9"/>
           <p:cNvSpPr txBox="1"/>
           <p:nvPr/>
         </p:nvSpPr>
@@ -2249,19 +2179,21 @@
               <a:rPr lang="en-US" dirty="0"/>
               <a:t>Phase A: Web Application</a:t>
             </a:r>
+            <a:endParaRPr lang="en-US" dirty="0"/>
           </a:p>
           <a:p>
             <a:r>
               <a:rPr lang="en-US" dirty="0"/>
               <a:t>Technical needs:</a:t>
             </a:r>
+            <a:endParaRPr lang="en-US" dirty="0"/>
           </a:p>
           <a:p>
             <a:endParaRPr lang="en-US" dirty="0"/>
           </a:p>
           <a:p>
             <a:pPr marL="285750" indent="-285750">
-              <a:buFont typeface="Arial" panose="020B0604020202020204" pitchFamily="34" charset="0"/>
+              <a:buFont typeface="Arial" panose="02080604020202020204" pitchFamily="34" charset="0"/>
               <a:buChar char="•"/>
             </a:pPr>
             <a:r>
@@ -2284,20 +2216,22 @@
               <a:rPr lang="en-US" dirty="0"/>
               <a:t> artifacts</a:t>
             </a:r>
+            <a:endParaRPr lang="en-US" dirty="0"/>
           </a:p>
           <a:p>
             <a:pPr marL="285750" indent="-285750">
-              <a:buFont typeface="Arial" panose="020B0604020202020204" pitchFamily="34" charset="0"/>
+              <a:buFont typeface="Arial" panose="02080604020202020204" pitchFamily="34" charset="0"/>
               <a:buChar char="•"/>
             </a:pPr>
             <a:r>
               <a:rPr lang="en-US" dirty="0"/>
               <a:t>Need HTML, CSS and images for each page</a:t>
             </a:r>
+            <a:endParaRPr lang="en-US" dirty="0"/>
           </a:p>
           <a:p>
             <a:pPr marL="285750" indent="-285750">
-              <a:buFont typeface="Arial" panose="020B0604020202020204" pitchFamily="34" charset="0"/>
+              <a:buFont typeface="Arial" panose="02080604020202020204" pitchFamily="34" charset="0"/>
               <a:buChar char="•"/>
             </a:pPr>
             <a:endParaRPr lang="en-US" dirty="0"/>
@@ -2305,11 +2239,6 @@
         </p:txBody>
       </p:sp>
     </p:spTree>
-    <p:extLst>
-      <p:ext uri="{BB962C8B-B14F-4D97-AF65-F5344CB8AC3E}">
-        <p14:creationId xmlns:p14="http://schemas.microsoft.com/office/powerpoint/2010/main" val="543425683"/>
-      </p:ext>
-    </p:extLst>
   </p:cSld>
   <p:clrMapOvr>
     <a:masterClrMapping/>
@@ -2336,13 +2265,7 @@
       </p:grpSpPr>
       <p:sp>
         <p:nvSpPr>
-          <p:cNvPr id="2" name="Title 1">
-            <a:extLst>
-              <a:ext uri="{FF2B5EF4-FFF2-40B4-BE49-F238E27FC236}">
-                <a16:creationId xmlns:a16="http://schemas.microsoft.com/office/drawing/2014/main" id="{64174A3C-3F48-4619-BCF6-218F9DCAD3BC}"/>
-              </a:ext>
-            </a:extLst>
-          </p:cNvPr>
+          <p:cNvPr id="2" name="Title 1"/>
           <p:cNvSpPr>
             <a:spLocks noGrp="1"/>
           </p:cNvSpPr>
@@ -2361,18 +2284,13 @@
               <a:rPr lang="en-US" dirty="0"/>
               <a:t>Architecture Diagram – Data Sources</a:t>
             </a:r>
-          </a:p>
-        </p:txBody>
-      </p:sp>
-      <p:sp>
-        <p:nvSpPr>
-          <p:cNvPr id="3" name="Footer Placeholder 2">
-            <a:extLst>
-              <a:ext uri="{FF2B5EF4-FFF2-40B4-BE49-F238E27FC236}">
-                <a16:creationId xmlns:a16="http://schemas.microsoft.com/office/drawing/2014/main" id="{F2F0FD02-7EF5-456C-A062-AA899430FC82}"/>
-              </a:ext>
-            </a:extLst>
-          </p:cNvPr>
+            <a:endParaRPr lang="en-US" dirty="0"/>
+          </a:p>
+        </p:txBody>
+      </p:sp>
+      <p:sp>
+        <p:nvSpPr>
+          <p:cNvPr id="3" name="Footer Placeholder 2"/>
           <p:cNvSpPr>
             <a:spLocks noGrp="1"/>
           </p:cNvSpPr>
@@ -2395,13 +2313,7 @@
       </p:sp>
       <p:sp>
         <p:nvSpPr>
-          <p:cNvPr id="4" name="Slide Number Placeholder 3">
-            <a:extLst>
-              <a:ext uri="{FF2B5EF4-FFF2-40B4-BE49-F238E27FC236}">
-                <a16:creationId xmlns:a16="http://schemas.microsoft.com/office/drawing/2014/main" id="{45F9BD57-6CED-42AB-9EE5-9DD05847E421}"/>
-              </a:ext>
-            </a:extLst>
-          </p:cNvPr>
+          <p:cNvPr id="4" name="Slide Number Placeholder 3"/>
           <p:cNvSpPr>
             <a:spLocks noGrp="1"/>
           </p:cNvSpPr>
@@ -2416,7 +2328,6 @@
           <a:p>
             <a:fld id="{567255F2-7D95-6D4F-8D41-D42AD07F8CE5}" type="slidenum">
               <a:rPr lang="en-US" smtClean="0"/>
-              <a:t>4</a:t>
             </a:fld>
             <a:endParaRPr lang="en-US" dirty="0"/>
           </a:p>
@@ -2424,13 +2335,7 @@
       </p:sp>
       <p:grpSp>
         <p:nvGrpSpPr>
-          <p:cNvPr id="9" name="Group 8">
-            <a:extLst>
-              <a:ext uri="{FF2B5EF4-FFF2-40B4-BE49-F238E27FC236}">
-                <a16:creationId xmlns:a16="http://schemas.microsoft.com/office/drawing/2014/main" id="{17E39A80-A935-40E0-BC81-909E2714D70D}"/>
-              </a:ext>
-            </a:extLst>
-          </p:cNvPr>
+          <p:cNvPr id="9" name="Group 8"/>
           <p:cNvGrpSpPr/>
           <p:nvPr/>
         </p:nvGrpSpPr>
@@ -2444,13 +2349,7 @@
         </p:grpSpPr>
         <p:sp>
           <p:nvSpPr>
-            <p:cNvPr id="8" name="Oval 7">
-              <a:extLst>
-                <a:ext uri="{FF2B5EF4-FFF2-40B4-BE49-F238E27FC236}">
-                  <a16:creationId xmlns:a16="http://schemas.microsoft.com/office/drawing/2014/main" id="{C7F4838E-CA63-4094-8C0E-7D310A5C211E}"/>
-                </a:ext>
-              </a:extLst>
-            </p:cNvPr>
+            <p:cNvPr id="8" name="Oval 7"/>
             <p:cNvSpPr/>
             <p:nvPr/>
           </p:nvSpPr>
@@ -2493,13 +2392,7 @@
         </p:sp>
         <p:sp>
           <p:nvSpPr>
-            <p:cNvPr id="7" name="TextBox 6">
-              <a:extLst>
-                <a:ext uri="{FF2B5EF4-FFF2-40B4-BE49-F238E27FC236}">
-                  <a16:creationId xmlns:a16="http://schemas.microsoft.com/office/drawing/2014/main" id="{69C657BE-86C7-455F-8FFC-CD8AA96B870E}"/>
-                </a:ext>
-              </a:extLst>
-            </p:cNvPr>
+            <p:cNvPr id="7" name="TextBox 6"/>
             <p:cNvSpPr txBox="1"/>
             <p:nvPr/>
           </p:nvSpPr>
@@ -2523,19 +2416,14 @@
                 <a:rPr lang="en-US" sz="2800" dirty="0"/>
                 <a:t>B</a:t>
               </a:r>
+              <a:endParaRPr lang="en-US" sz="2800" dirty="0"/>
             </a:p>
           </p:txBody>
         </p:sp>
       </p:grpSp>
       <p:sp>
         <p:nvSpPr>
-          <p:cNvPr id="10" name="TextBox 9">
-            <a:extLst>
-              <a:ext uri="{FF2B5EF4-FFF2-40B4-BE49-F238E27FC236}">
-                <a16:creationId xmlns:a16="http://schemas.microsoft.com/office/drawing/2014/main" id="{26E60F37-CE47-4BF7-B303-5B7F8E671683}"/>
-              </a:ext>
-            </a:extLst>
-          </p:cNvPr>
+          <p:cNvPr id="10" name="TextBox 9"/>
           <p:cNvSpPr txBox="1"/>
           <p:nvPr/>
         </p:nvSpPr>
@@ -2559,6 +2447,7 @@
               <a:rPr lang="en-US" dirty="0"/>
               <a:t>Phase B: Data Sources</a:t>
             </a:r>
+            <a:endParaRPr lang="en-US" dirty="0"/>
           </a:p>
           <a:p>
             <a:endParaRPr lang="en-US" dirty="0"/>
@@ -2576,6 +2465,7 @@
               <a:rPr lang="en-US" dirty="0"/>
               <a:t> to work on IBM Cloud</a:t>
             </a:r>
+            <a:endParaRPr lang="en-US" dirty="0"/>
           </a:p>
           <a:p>
             <a:endParaRPr lang="en-US" dirty="0"/>
@@ -2585,30 +2475,33 @@
               <a:rPr lang="en-US" dirty="0"/>
               <a:t>Technical needs:</a:t>
             </a:r>
+            <a:endParaRPr lang="en-US" dirty="0"/>
           </a:p>
           <a:p>
             <a:pPr marL="285750" indent="-285750">
-              <a:buFont typeface="Arial" panose="020B0604020202020204" pitchFamily="34" charset="0"/>
+              <a:buFont typeface="Arial" panose="02080604020202020204" pitchFamily="34" charset="0"/>
               <a:buChar char="•"/>
             </a:pPr>
             <a:r>
               <a:rPr lang="en-US" dirty="0"/>
               <a:t>Need list of Locations and Impacts that we are going to use.</a:t>
             </a:r>
+            <a:endParaRPr lang="en-US" dirty="0"/>
           </a:p>
           <a:p>
             <a:pPr marL="285750" indent="-285750">
-              <a:buFont typeface="Arial" panose="020B0604020202020204" pitchFamily="34" charset="0"/>
+              <a:buFont typeface="Arial" panose="02080604020202020204" pitchFamily="34" charset="0"/>
               <a:buChar char="•"/>
             </a:pPr>
             <a:r>
               <a:rPr lang="en-US" dirty="0"/>
               <a:t>Need data base schema for how we storage websites to be scraped</a:t>
             </a:r>
+            <a:endParaRPr lang="en-US" dirty="0"/>
           </a:p>
           <a:p>
             <a:pPr marL="285750" indent="-285750">
-              <a:buFont typeface="Arial" panose="020B0604020202020204" pitchFamily="34" charset="0"/>
+              <a:buFont typeface="Arial" panose="02080604020202020204" pitchFamily="34" charset="0"/>
               <a:buChar char="•"/>
             </a:pPr>
             <a:r>
@@ -2623,20 +2516,22 @@
               <a:rPr lang="en-US" dirty="0"/>
               <a:t>, exploring Django Trees</a:t>
             </a:r>
+            <a:endParaRPr lang="en-US" dirty="0"/>
           </a:p>
           <a:p>
             <a:pPr marL="742950" lvl="1" indent="-285750">
-              <a:buFont typeface="Arial" panose="020B0604020202020204" pitchFamily="34" charset="0"/>
+              <a:buFont typeface="Arial" panose="02080604020202020204" pitchFamily="34" charset="0"/>
               <a:buChar char="•"/>
             </a:pPr>
             <a:r>
               <a:rPr lang="en-US" dirty="0"/>
               <a:t>RESOURC:    https://pypi.org/project/django-tree-queries/</a:t>
             </a:r>
+            <a:endParaRPr lang="en-US" dirty="0"/>
           </a:p>
           <a:p>
             <a:pPr marL="285750" indent="-285750">
-              <a:buFont typeface="Arial" panose="020B0604020202020204" pitchFamily="34" charset="0"/>
+              <a:buFont typeface="Arial" panose="02080604020202020204" pitchFamily="34" charset="0"/>
               <a:buChar char="•"/>
             </a:pPr>
             <a:endParaRPr lang="en-US" dirty="0"/>
@@ -2644,11 +2539,6 @@
         </p:txBody>
       </p:sp>
     </p:spTree>
-    <p:extLst>
-      <p:ext uri="{BB962C8B-B14F-4D97-AF65-F5344CB8AC3E}">
-        <p14:creationId xmlns:p14="http://schemas.microsoft.com/office/powerpoint/2010/main" val="4106925381"/>
-      </p:ext>
-    </p:extLst>
   </p:cSld>
   <p:clrMapOvr>
     <a:masterClrMapping/>
@@ -2675,13 +2565,7 @@
       </p:grpSpPr>
       <p:sp>
         <p:nvSpPr>
-          <p:cNvPr id="2" name="Title 1">
-            <a:extLst>
-              <a:ext uri="{FF2B5EF4-FFF2-40B4-BE49-F238E27FC236}">
-                <a16:creationId xmlns:a16="http://schemas.microsoft.com/office/drawing/2014/main" id="{64174A3C-3F48-4619-BCF6-218F9DCAD3BC}"/>
-              </a:ext>
-            </a:extLst>
-          </p:cNvPr>
+          <p:cNvPr id="2" name="Title 1"/>
           <p:cNvSpPr>
             <a:spLocks noGrp="1"/>
           </p:cNvSpPr>
@@ -2700,18 +2584,13 @@
               <a:rPr lang="en-US" dirty="0"/>
               <a:t>Architecture Diagram – Web Sites for Screen Scraping</a:t>
             </a:r>
-          </a:p>
-        </p:txBody>
-      </p:sp>
-      <p:sp>
-        <p:nvSpPr>
-          <p:cNvPr id="3" name="Footer Placeholder 2">
-            <a:extLst>
-              <a:ext uri="{FF2B5EF4-FFF2-40B4-BE49-F238E27FC236}">
-                <a16:creationId xmlns:a16="http://schemas.microsoft.com/office/drawing/2014/main" id="{F2F0FD02-7EF5-456C-A062-AA899430FC82}"/>
-              </a:ext>
-            </a:extLst>
-          </p:cNvPr>
+            <a:endParaRPr lang="en-US" dirty="0"/>
+          </a:p>
+        </p:txBody>
+      </p:sp>
+      <p:sp>
+        <p:nvSpPr>
+          <p:cNvPr id="3" name="Footer Placeholder 2"/>
           <p:cNvSpPr>
             <a:spLocks noGrp="1"/>
           </p:cNvSpPr>
@@ -2734,13 +2613,7 @@
       </p:sp>
       <p:sp>
         <p:nvSpPr>
-          <p:cNvPr id="4" name="Slide Number Placeholder 3">
-            <a:extLst>
-              <a:ext uri="{FF2B5EF4-FFF2-40B4-BE49-F238E27FC236}">
-                <a16:creationId xmlns:a16="http://schemas.microsoft.com/office/drawing/2014/main" id="{45F9BD57-6CED-42AB-9EE5-9DD05847E421}"/>
-              </a:ext>
-            </a:extLst>
-          </p:cNvPr>
+          <p:cNvPr id="4" name="Slide Number Placeholder 3"/>
           <p:cNvSpPr>
             <a:spLocks noGrp="1"/>
           </p:cNvSpPr>
@@ -2755,7 +2628,6 @@
           <a:p>
             <a:fld id="{567255F2-7D95-6D4F-8D41-D42AD07F8CE5}" type="slidenum">
               <a:rPr lang="en-US" smtClean="0"/>
-              <a:t>5</a:t>
             </a:fld>
             <a:endParaRPr lang="en-US" dirty="0"/>
           </a:p>
@@ -2763,13 +2635,7 @@
       </p:sp>
       <p:grpSp>
         <p:nvGrpSpPr>
-          <p:cNvPr id="9" name="Group 8">
-            <a:extLst>
-              <a:ext uri="{FF2B5EF4-FFF2-40B4-BE49-F238E27FC236}">
-                <a16:creationId xmlns:a16="http://schemas.microsoft.com/office/drawing/2014/main" id="{17E39A80-A935-40E0-BC81-909E2714D70D}"/>
-              </a:ext>
-            </a:extLst>
-          </p:cNvPr>
+          <p:cNvPr id="9" name="Group 8"/>
           <p:cNvGrpSpPr/>
           <p:nvPr/>
         </p:nvGrpSpPr>
@@ -2783,13 +2649,7 @@
         </p:grpSpPr>
         <p:sp>
           <p:nvSpPr>
-            <p:cNvPr id="8" name="Oval 7">
-              <a:extLst>
-                <a:ext uri="{FF2B5EF4-FFF2-40B4-BE49-F238E27FC236}">
-                  <a16:creationId xmlns:a16="http://schemas.microsoft.com/office/drawing/2014/main" id="{C7F4838E-CA63-4094-8C0E-7D310A5C211E}"/>
-                </a:ext>
-              </a:extLst>
-            </p:cNvPr>
+            <p:cNvPr id="8" name="Oval 7"/>
             <p:cNvSpPr/>
             <p:nvPr/>
           </p:nvSpPr>
@@ -2832,13 +2692,7 @@
         </p:sp>
         <p:sp>
           <p:nvSpPr>
-            <p:cNvPr id="7" name="TextBox 6">
-              <a:extLst>
-                <a:ext uri="{FF2B5EF4-FFF2-40B4-BE49-F238E27FC236}">
-                  <a16:creationId xmlns:a16="http://schemas.microsoft.com/office/drawing/2014/main" id="{69C657BE-86C7-455F-8FFC-CD8AA96B870E}"/>
-                </a:ext>
-              </a:extLst>
-            </p:cNvPr>
+            <p:cNvPr id="7" name="TextBox 6"/>
             <p:cNvSpPr txBox="1"/>
             <p:nvPr/>
           </p:nvSpPr>
@@ -2862,19 +2716,14 @@
                 <a:rPr lang="en-US" sz="2800" dirty="0"/>
                 <a:t>C</a:t>
               </a:r>
+              <a:endParaRPr lang="en-US" sz="2800" dirty="0"/>
             </a:p>
           </p:txBody>
         </p:sp>
       </p:grpSp>
       <p:sp>
         <p:nvSpPr>
-          <p:cNvPr id="10" name="TextBox 9">
-            <a:extLst>
-              <a:ext uri="{FF2B5EF4-FFF2-40B4-BE49-F238E27FC236}">
-                <a16:creationId xmlns:a16="http://schemas.microsoft.com/office/drawing/2014/main" id="{C7FDF406-B4DB-4797-913F-3873F28DA1C5}"/>
-              </a:ext>
-            </a:extLst>
-          </p:cNvPr>
+          <p:cNvPr id="10" name="TextBox 9"/>
           <p:cNvSpPr txBox="1"/>
           <p:nvPr/>
         </p:nvSpPr>
@@ -2898,6 +2747,7 @@
               <a:rPr lang="en-US" dirty="0"/>
               <a:t>Phase C: Web Sites</a:t>
             </a:r>
+            <a:endParaRPr lang="en-US" dirty="0"/>
           </a:p>
           <a:p>
             <a:endParaRPr lang="en-US" dirty="0"/>
@@ -2907,15 +2757,11 @@
               <a:rPr lang="en-US" dirty="0"/>
               <a:t>Need to identify web sites to use for screen scraping.</a:t>
             </a:r>
+            <a:endParaRPr lang="en-US" dirty="0"/>
           </a:p>
         </p:txBody>
       </p:sp>
     </p:spTree>
-    <p:extLst>
-      <p:ext uri="{BB962C8B-B14F-4D97-AF65-F5344CB8AC3E}">
-        <p14:creationId xmlns:p14="http://schemas.microsoft.com/office/powerpoint/2010/main" val="2363616140"/>
-      </p:ext>
-    </p:extLst>
   </p:cSld>
   <p:clrMapOvr>
     <a:masterClrMapping/>
@@ -2942,13 +2788,7 @@
       </p:grpSpPr>
       <p:sp>
         <p:nvSpPr>
-          <p:cNvPr id="2" name="Title 1">
-            <a:extLst>
-              <a:ext uri="{FF2B5EF4-FFF2-40B4-BE49-F238E27FC236}">
-                <a16:creationId xmlns:a16="http://schemas.microsoft.com/office/drawing/2014/main" id="{64174A3C-3F48-4619-BCF6-218F9DCAD3BC}"/>
-              </a:ext>
-            </a:extLst>
-          </p:cNvPr>
+          <p:cNvPr id="2" name="Title 1"/>
           <p:cNvSpPr>
             <a:spLocks noGrp="1"/>
           </p:cNvSpPr>
@@ -2967,18 +2807,13 @@
               <a:rPr lang="en-US" dirty="0"/>
               <a:t>Architecture Diagram</a:t>
             </a:r>
-          </a:p>
-        </p:txBody>
-      </p:sp>
-      <p:sp>
-        <p:nvSpPr>
-          <p:cNvPr id="3" name="Footer Placeholder 2">
-            <a:extLst>
-              <a:ext uri="{FF2B5EF4-FFF2-40B4-BE49-F238E27FC236}">
-                <a16:creationId xmlns:a16="http://schemas.microsoft.com/office/drawing/2014/main" id="{F2F0FD02-7EF5-456C-A062-AA899430FC82}"/>
-              </a:ext>
-            </a:extLst>
-          </p:cNvPr>
+            <a:endParaRPr lang="en-US" dirty="0"/>
+          </a:p>
+        </p:txBody>
+      </p:sp>
+      <p:sp>
+        <p:nvSpPr>
+          <p:cNvPr id="3" name="Footer Placeholder 2"/>
           <p:cNvSpPr>
             <a:spLocks noGrp="1"/>
           </p:cNvSpPr>
@@ -3001,13 +2836,7 @@
       </p:sp>
       <p:sp>
         <p:nvSpPr>
-          <p:cNvPr id="4" name="Slide Number Placeholder 3">
-            <a:extLst>
-              <a:ext uri="{FF2B5EF4-FFF2-40B4-BE49-F238E27FC236}">
-                <a16:creationId xmlns:a16="http://schemas.microsoft.com/office/drawing/2014/main" id="{45F9BD57-6CED-42AB-9EE5-9DD05847E421}"/>
-              </a:ext>
-            </a:extLst>
-          </p:cNvPr>
+          <p:cNvPr id="4" name="Slide Number Placeholder 3"/>
           <p:cNvSpPr>
             <a:spLocks noGrp="1"/>
           </p:cNvSpPr>
@@ -3022,7 +2851,6 @@
           <a:p>
             <a:fld id="{567255F2-7D95-6D4F-8D41-D42AD07F8CE5}" type="slidenum">
               <a:rPr lang="en-US" smtClean="0"/>
-              <a:t>6</a:t>
             </a:fld>
             <a:endParaRPr lang="en-US" dirty="0"/>
           </a:p>
@@ -3030,13 +2858,7 @@
       </p:sp>
       <p:grpSp>
         <p:nvGrpSpPr>
-          <p:cNvPr id="10" name="Group 9">
-            <a:extLst>
-              <a:ext uri="{FF2B5EF4-FFF2-40B4-BE49-F238E27FC236}">
-                <a16:creationId xmlns:a16="http://schemas.microsoft.com/office/drawing/2014/main" id="{5254F683-F69D-4FF6-BC23-72246162549A}"/>
-              </a:ext>
-            </a:extLst>
-          </p:cNvPr>
+          <p:cNvPr id="10" name="Group 9"/>
           <p:cNvGrpSpPr/>
           <p:nvPr/>
         </p:nvGrpSpPr>
@@ -3050,13 +2872,7 @@
         </p:grpSpPr>
         <p:sp>
           <p:nvSpPr>
-            <p:cNvPr id="11" name="Oval 10">
-              <a:extLst>
-                <a:ext uri="{FF2B5EF4-FFF2-40B4-BE49-F238E27FC236}">
-                  <a16:creationId xmlns:a16="http://schemas.microsoft.com/office/drawing/2014/main" id="{1C65DC11-D14A-4825-893F-4A8AAF053010}"/>
-                </a:ext>
-              </a:extLst>
-            </p:cNvPr>
+            <p:cNvPr id="11" name="Oval 10"/>
             <p:cNvSpPr/>
             <p:nvPr/>
           </p:nvSpPr>
@@ -3099,13 +2915,7 @@
         </p:sp>
         <p:sp>
           <p:nvSpPr>
-            <p:cNvPr id="12" name="TextBox 11">
-              <a:extLst>
-                <a:ext uri="{FF2B5EF4-FFF2-40B4-BE49-F238E27FC236}">
-                  <a16:creationId xmlns:a16="http://schemas.microsoft.com/office/drawing/2014/main" id="{2D0267A7-F4CC-4C75-8442-D1E250B881F5}"/>
-                </a:ext>
-              </a:extLst>
-            </p:cNvPr>
+            <p:cNvPr id="12" name="TextBox 11"/>
             <p:cNvSpPr txBox="1"/>
             <p:nvPr/>
           </p:nvSpPr>
@@ -3129,19 +2939,14 @@
                 <a:rPr lang="en-US" sz="2800" dirty="0"/>
                 <a:t>D</a:t>
               </a:r>
+              <a:endParaRPr lang="en-US" sz="2800" dirty="0"/>
             </a:p>
           </p:txBody>
         </p:sp>
       </p:grpSp>
       <p:sp>
         <p:nvSpPr>
-          <p:cNvPr id="13" name="TextBox 12">
-            <a:extLst>
-              <a:ext uri="{FF2B5EF4-FFF2-40B4-BE49-F238E27FC236}">
-                <a16:creationId xmlns:a16="http://schemas.microsoft.com/office/drawing/2014/main" id="{51985180-4035-4C2E-953C-1348036678D1}"/>
-              </a:ext>
-            </a:extLst>
-          </p:cNvPr>
+          <p:cNvPr id="13" name="TextBox 12"/>
           <p:cNvSpPr txBox="1"/>
           <p:nvPr/>
         </p:nvSpPr>
@@ -3165,6 +2970,7 @@
               <a:rPr lang="en-US" dirty="0"/>
               <a:t>Phase D: Screen Scraping</a:t>
             </a:r>
+            <a:endParaRPr lang="en-US" dirty="0"/>
           </a:p>
           <a:p>
             <a:endParaRPr lang="en-US" dirty="0"/>
@@ -3182,6 +2988,7 @@
               <a:rPr lang="en-US" dirty="0"/>
               <a:t> libraries.</a:t>
             </a:r>
+            <a:endParaRPr lang="en-US" dirty="0"/>
           </a:p>
           <a:p>
             <a:endParaRPr lang="en-US" dirty="0"/>
@@ -3191,6 +2998,7 @@
               <a:rPr lang="en-US" dirty="0"/>
               <a:t>Once we identify the web sites, we can create a page object and Python code to scrape the web sites identified in Phase C.</a:t>
             </a:r>
+            <a:endParaRPr lang="en-US" dirty="0"/>
           </a:p>
           <a:p>
             <a:endParaRPr lang="en-US" dirty="0"/>
@@ -3200,15 +3008,11 @@
               <a:rPr lang="en-US" dirty="0"/>
               <a:t>IBM Cloud might have some resources for web-crawling that could help in this area?</a:t>
             </a:r>
+            <a:endParaRPr lang="en-US" dirty="0"/>
           </a:p>
         </p:txBody>
       </p:sp>
     </p:spTree>
-    <p:extLst>
-      <p:ext uri="{BB962C8B-B14F-4D97-AF65-F5344CB8AC3E}">
-        <p14:creationId xmlns:p14="http://schemas.microsoft.com/office/powerpoint/2010/main" val="3197335824"/>
-      </p:ext>
-    </p:extLst>
   </p:cSld>
   <p:clrMapOvr>
     <a:masterClrMapping/>
@@ -3235,13 +3039,7 @@
       </p:grpSpPr>
       <p:sp>
         <p:nvSpPr>
-          <p:cNvPr id="2" name="Title 1">
-            <a:extLst>
-              <a:ext uri="{FF2B5EF4-FFF2-40B4-BE49-F238E27FC236}">
-                <a16:creationId xmlns:a16="http://schemas.microsoft.com/office/drawing/2014/main" id="{64174A3C-3F48-4619-BCF6-218F9DCAD3BC}"/>
-              </a:ext>
-            </a:extLst>
-          </p:cNvPr>
+          <p:cNvPr id="2" name="Title 1"/>
           <p:cNvSpPr>
             <a:spLocks noGrp="1"/>
           </p:cNvSpPr>
@@ -3260,18 +3058,13 @@
               <a:rPr lang="en-US" dirty="0"/>
               <a:t>Architecture Diagram</a:t>
             </a:r>
-          </a:p>
-        </p:txBody>
-      </p:sp>
-      <p:sp>
-        <p:nvSpPr>
-          <p:cNvPr id="3" name="Footer Placeholder 2">
-            <a:extLst>
-              <a:ext uri="{FF2B5EF4-FFF2-40B4-BE49-F238E27FC236}">
-                <a16:creationId xmlns:a16="http://schemas.microsoft.com/office/drawing/2014/main" id="{F2F0FD02-7EF5-456C-A062-AA899430FC82}"/>
-              </a:ext>
-            </a:extLst>
-          </p:cNvPr>
+            <a:endParaRPr lang="en-US" dirty="0"/>
+          </a:p>
+        </p:txBody>
+      </p:sp>
+      <p:sp>
+        <p:nvSpPr>
+          <p:cNvPr id="3" name="Footer Placeholder 2"/>
           <p:cNvSpPr>
             <a:spLocks noGrp="1"/>
           </p:cNvSpPr>
@@ -3294,13 +3087,7 @@
       </p:sp>
       <p:sp>
         <p:nvSpPr>
-          <p:cNvPr id="4" name="Slide Number Placeholder 3">
-            <a:extLst>
-              <a:ext uri="{FF2B5EF4-FFF2-40B4-BE49-F238E27FC236}">
-                <a16:creationId xmlns:a16="http://schemas.microsoft.com/office/drawing/2014/main" id="{45F9BD57-6CED-42AB-9EE5-9DD05847E421}"/>
-              </a:ext>
-            </a:extLst>
-          </p:cNvPr>
+          <p:cNvPr id="4" name="Slide Number Placeholder 3"/>
           <p:cNvSpPr>
             <a:spLocks noGrp="1"/>
           </p:cNvSpPr>
@@ -3315,7 +3102,6 @@
           <a:p>
             <a:fld id="{567255F2-7D95-6D4F-8D41-D42AD07F8CE5}" type="slidenum">
               <a:rPr lang="en-US" smtClean="0"/>
-              <a:t>7</a:t>
             </a:fld>
             <a:endParaRPr lang="en-US" dirty="0"/>
           </a:p>
@@ -3323,13 +3109,7 @@
       </p:sp>
       <p:grpSp>
         <p:nvGrpSpPr>
-          <p:cNvPr id="8" name="Group 7">
-            <a:extLst>
-              <a:ext uri="{FF2B5EF4-FFF2-40B4-BE49-F238E27FC236}">
-                <a16:creationId xmlns:a16="http://schemas.microsoft.com/office/drawing/2014/main" id="{A52C461C-38A3-46D3-A9E9-0F723D23706B}"/>
-              </a:ext>
-            </a:extLst>
-          </p:cNvPr>
+          <p:cNvPr id="8" name="Group 7"/>
           <p:cNvGrpSpPr/>
           <p:nvPr/>
         </p:nvGrpSpPr>
@@ -3343,13 +3123,7 @@
         </p:grpSpPr>
         <p:sp>
           <p:nvSpPr>
-            <p:cNvPr id="9" name="Oval 8">
-              <a:extLst>
-                <a:ext uri="{FF2B5EF4-FFF2-40B4-BE49-F238E27FC236}">
-                  <a16:creationId xmlns:a16="http://schemas.microsoft.com/office/drawing/2014/main" id="{DC26065A-EB59-4A04-AEE3-E07AA8EE9859}"/>
-                </a:ext>
-              </a:extLst>
-            </p:cNvPr>
+            <p:cNvPr id="9" name="Oval 8"/>
             <p:cNvSpPr/>
             <p:nvPr/>
           </p:nvSpPr>
@@ -3392,13 +3166,7 @@
         </p:sp>
         <p:sp>
           <p:nvSpPr>
-            <p:cNvPr id="13" name="TextBox 12">
-              <a:extLst>
-                <a:ext uri="{FF2B5EF4-FFF2-40B4-BE49-F238E27FC236}">
-                  <a16:creationId xmlns:a16="http://schemas.microsoft.com/office/drawing/2014/main" id="{023974EB-D9AE-4989-B57C-351E9BA8499B}"/>
-                </a:ext>
-              </a:extLst>
-            </p:cNvPr>
+            <p:cNvPr id="13" name="TextBox 12"/>
             <p:cNvSpPr txBox="1"/>
             <p:nvPr/>
           </p:nvSpPr>
@@ -3422,19 +3190,14 @@
                 <a:rPr lang="en-US" sz="2800" dirty="0"/>
                 <a:t>E</a:t>
               </a:r>
+              <a:endParaRPr lang="en-US" sz="2800" dirty="0"/>
             </a:p>
           </p:txBody>
         </p:sp>
       </p:grpSp>
       <p:sp>
         <p:nvSpPr>
-          <p:cNvPr id="14" name="TextBox 13">
-            <a:extLst>
-              <a:ext uri="{FF2B5EF4-FFF2-40B4-BE49-F238E27FC236}">
-                <a16:creationId xmlns:a16="http://schemas.microsoft.com/office/drawing/2014/main" id="{259816B7-55D4-4840-ACB0-B20773920910}"/>
-              </a:ext>
-            </a:extLst>
-          </p:cNvPr>
+          <p:cNvPr id="14" name="TextBox 13"/>
           <p:cNvSpPr txBox="1"/>
           <p:nvPr/>
         </p:nvSpPr>
@@ -3458,6 +3221,7 @@
               <a:rPr lang="en-US" dirty="0"/>
               <a:t>Phase E: Machine Learning Model</a:t>
             </a:r>
+            <a:endParaRPr lang="en-US" dirty="0"/>
           </a:p>
           <a:p>
             <a:endParaRPr lang="en-US" dirty="0"/>
@@ -3467,6 +3231,7 @@
               <a:rPr lang="en-US" dirty="0"/>
               <a:t>Need to train model based on data obtained through screen scraping to identify the impact areas of each.</a:t>
             </a:r>
+            <a:endParaRPr lang="en-US" dirty="0"/>
           </a:p>
           <a:p>
             <a:endParaRPr lang="en-US" dirty="0"/>
@@ -3476,6 +3241,7 @@
               <a:rPr lang="en-US" dirty="0"/>
               <a:t>Python “pandas” library appears to have several capabilities in this area.</a:t>
             </a:r>
+            <a:endParaRPr lang="en-US" dirty="0"/>
           </a:p>
           <a:p>
             <a:endParaRPr lang="en-US" dirty="0"/>
@@ -3485,15 +3251,11 @@
               <a:rPr lang="en-US" dirty="0"/>
               <a:t>There might also be IBM Cloud resources we can access like Watson Studio for Natural Language Processing?</a:t>
             </a:r>
+            <a:endParaRPr lang="en-US" dirty="0"/>
           </a:p>
         </p:txBody>
       </p:sp>
     </p:spTree>
-    <p:extLst>
-      <p:ext uri="{BB962C8B-B14F-4D97-AF65-F5344CB8AC3E}">
-        <p14:creationId xmlns:p14="http://schemas.microsoft.com/office/powerpoint/2010/main" val="230908963"/>
-      </p:ext>
-    </p:extLst>
   </p:cSld>
   <p:clrMapOvr>
     <a:masterClrMapping/>
@@ -3520,13 +3282,7 @@
       </p:grpSpPr>
       <p:sp>
         <p:nvSpPr>
-          <p:cNvPr id="2" name="Title 1">
-            <a:extLst>
-              <a:ext uri="{FF2B5EF4-FFF2-40B4-BE49-F238E27FC236}">
-                <a16:creationId xmlns:a16="http://schemas.microsoft.com/office/drawing/2014/main" id="{64174A3C-3F48-4619-BCF6-218F9DCAD3BC}"/>
-              </a:ext>
-            </a:extLst>
-          </p:cNvPr>
+          <p:cNvPr id="2" name="Title 1"/>
           <p:cNvSpPr>
             <a:spLocks noGrp="1"/>
           </p:cNvSpPr>
@@ -3545,18 +3301,13 @@
               <a:rPr lang="en-US" dirty="0"/>
               <a:t>Architecture Diagram</a:t>
             </a:r>
-          </a:p>
-        </p:txBody>
-      </p:sp>
-      <p:sp>
-        <p:nvSpPr>
-          <p:cNvPr id="3" name="Footer Placeholder 2">
-            <a:extLst>
-              <a:ext uri="{FF2B5EF4-FFF2-40B4-BE49-F238E27FC236}">
-                <a16:creationId xmlns:a16="http://schemas.microsoft.com/office/drawing/2014/main" id="{F2F0FD02-7EF5-456C-A062-AA899430FC82}"/>
-              </a:ext>
-            </a:extLst>
-          </p:cNvPr>
+            <a:endParaRPr lang="en-US" dirty="0"/>
+          </a:p>
+        </p:txBody>
+      </p:sp>
+      <p:sp>
+        <p:nvSpPr>
+          <p:cNvPr id="3" name="Footer Placeholder 2"/>
           <p:cNvSpPr>
             <a:spLocks noGrp="1"/>
           </p:cNvSpPr>
@@ -3579,13 +3330,7 @@
       </p:sp>
       <p:sp>
         <p:nvSpPr>
-          <p:cNvPr id="4" name="Slide Number Placeholder 3">
-            <a:extLst>
-              <a:ext uri="{FF2B5EF4-FFF2-40B4-BE49-F238E27FC236}">
-                <a16:creationId xmlns:a16="http://schemas.microsoft.com/office/drawing/2014/main" id="{45F9BD57-6CED-42AB-9EE5-9DD05847E421}"/>
-              </a:ext>
-            </a:extLst>
-          </p:cNvPr>
+          <p:cNvPr id="4" name="Slide Number Placeholder 3"/>
           <p:cNvSpPr>
             <a:spLocks noGrp="1"/>
           </p:cNvSpPr>
@@ -3600,7 +3345,6 @@
           <a:p>
             <a:fld id="{567255F2-7D95-6D4F-8D41-D42AD07F8CE5}" type="slidenum">
               <a:rPr lang="en-US" smtClean="0"/>
-              <a:t>8</a:t>
             </a:fld>
             <a:endParaRPr lang="en-US" dirty="0"/>
           </a:p>
@@ -3608,13 +3352,7 @@
       </p:sp>
       <p:grpSp>
         <p:nvGrpSpPr>
-          <p:cNvPr id="8" name="Group 7">
-            <a:extLst>
-              <a:ext uri="{FF2B5EF4-FFF2-40B4-BE49-F238E27FC236}">
-                <a16:creationId xmlns:a16="http://schemas.microsoft.com/office/drawing/2014/main" id="{A52C461C-38A3-46D3-A9E9-0F723D23706B}"/>
-              </a:ext>
-            </a:extLst>
-          </p:cNvPr>
+          <p:cNvPr id="8" name="Group 7"/>
           <p:cNvGrpSpPr/>
           <p:nvPr/>
         </p:nvGrpSpPr>
@@ -3628,13 +3366,7 @@
         </p:grpSpPr>
         <p:sp>
           <p:nvSpPr>
-            <p:cNvPr id="9" name="Oval 8">
-              <a:extLst>
-                <a:ext uri="{FF2B5EF4-FFF2-40B4-BE49-F238E27FC236}">
-                  <a16:creationId xmlns:a16="http://schemas.microsoft.com/office/drawing/2014/main" id="{DC26065A-EB59-4A04-AEE3-E07AA8EE9859}"/>
-                </a:ext>
-              </a:extLst>
-            </p:cNvPr>
+            <p:cNvPr id="9" name="Oval 8"/>
             <p:cNvSpPr/>
             <p:nvPr/>
           </p:nvSpPr>
@@ -3677,13 +3409,7 @@
         </p:sp>
         <p:sp>
           <p:nvSpPr>
-            <p:cNvPr id="13" name="TextBox 12">
-              <a:extLst>
-                <a:ext uri="{FF2B5EF4-FFF2-40B4-BE49-F238E27FC236}">
-                  <a16:creationId xmlns:a16="http://schemas.microsoft.com/office/drawing/2014/main" id="{023974EB-D9AE-4989-B57C-351E9BA8499B}"/>
-                </a:ext>
-              </a:extLst>
-            </p:cNvPr>
+            <p:cNvPr id="13" name="TextBox 12"/>
             <p:cNvSpPr txBox="1"/>
             <p:nvPr/>
           </p:nvSpPr>
@@ -3707,19 +3433,14 @@
                 <a:rPr lang="en-US" sz="2800" dirty="0"/>
                 <a:t>F</a:t>
               </a:r>
+              <a:endParaRPr lang="en-US" sz="2800" dirty="0"/>
             </a:p>
           </p:txBody>
         </p:sp>
       </p:grpSp>
       <p:sp>
         <p:nvSpPr>
-          <p:cNvPr id="10" name="TextBox 9">
-            <a:extLst>
-              <a:ext uri="{FF2B5EF4-FFF2-40B4-BE49-F238E27FC236}">
-                <a16:creationId xmlns:a16="http://schemas.microsoft.com/office/drawing/2014/main" id="{4385EC82-498D-4BE3-9B38-44CB12E8AB48}"/>
-              </a:ext>
-            </a:extLst>
-          </p:cNvPr>
+          <p:cNvPr id="10" name="TextBox 9"/>
           <p:cNvSpPr txBox="1"/>
           <p:nvPr/>
         </p:nvSpPr>
@@ -3743,6 +3464,7 @@
               <a:rPr lang="en-US" dirty="0"/>
               <a:t>Phase F: Web Server</a:t>
             </a:r>
+            <a:endParaRPr lang="en-US" dirty="0"/>
           </a:p>
           <a:p>
             <a:endParaRPr lang="en-US" dirty="0"/>
@@ -3776,6 +3498,7 @@
               <a:rPr lang="en-US" dirty="0"/>
               <a:t> database.  We both were stumped on how to make this happen.</a:t>
             </a:r>
+            <a:endParaRPr lang="en-US" dirty="0"/>
           </a:p>
           <a:p>
             <a:endParaRPr lang="en-US" dirty="0"/>
@@ -3793,15 +3516,11 @@
               <a:rPr lang="en-US" dirty="0"/>
               <a:t>” feature of Python/Django framework to test, develop and demonstrate the solution.</a:t>
             </a:r>
+            <a:endParaRPr lang="en-US" dirty="0"/>
           </a:p>
         </p:txBody>
       </p:sp>
     </p:spTree>
-    <p:extLst>
-      <p:ext uri="{BB962C8B-B14F-4D97-AF65-F5344CB8AC3E}">
-        <p14:creationId xmlns:p14="http://schemas.microsoft.com/office/powerpoint/2010/main" val="2818794248"/>
-      </p:ext>
-    </p:extLst>
   </p:cSld>
   <p:clrMapOvr>
     <a:masterClrMapping/>
@@ -4060,8 +3779,6 @@
       </a:bgFillStyleLst>
     </a:fmtScheme>
   </a:themeElements>
-  <a:objectDefaults/>
-  <a:extraClrSchemeLst/>
   <a:extLst>
     <a:ext uri="{05A4C25C-085E-4340-85A3-A5531E510DB2}">
       <thm15:themeFamily xmlns:thm15="http://schemas.microsoft.com/office/thememl/2012/main" name="Office Theme" id="{62F939B6-93AF-4DB8-9C6B-D6C7DFDC589F}" vid="{4A3C46E8-61CC-4603-A589-7422A47A8E4A}"/>
@@ -4321,8 +4038,6 @@
       </a:bgFillStyleLst>
     </a:fmtScheme>
   </a:themeElements>
-  <a:objectDefaults/>
-  <a:extraClrSchemeLst/>
   <a:extLst>
     <a:ext uri="{05A4C25C-085E-4340-85A3-A5531E510DB2}">
       <thm15:themeFamily xmlns:thm15="http://schemas.microsoft.com/office/thememl/2012/main" name="Office Theme" id="{62F939B6-93AF-4DB8-9C6B-D6C7DFDC589F}" vid="{4A3C46E8-61CC-4603-A589-7422A47A8E4A}"/>
